--- a/20240923_WFM_APCTP_Triumf.pptx
+++ b/20240923_WFM_APCTP_Triumf.pptx
@@ -359,7 +359,7 @@
           <a:p>
             <a:fld id="{46F42610-14FF-4B40-B4B6-786DE4FB8FEA}" type="datetime1">
               <a:rPr lang="ko-KR" altLang="en-US" smtClean="0"/>
-              <a:t>2024-09-20</a:t>
+              <a:t>2024-09-23</a:t>
             </a:fld>
             <a:endParaRPr lang="ko-KR" altLang="en-US"/>
           </a:p>
@@ -525,7 +525,7 @@
           <a:p>
             <a:fld id="{513A899E-F476-4791-9F16-0B14047B11F2}" type="datetime1">
               <a:rPr lang="ko-KR" altLang="en-US" smtClean="0"/>
-              <a:t>2024-09-20</a:t>
+              <a:t>2024-09-23</a:t>
             </a:fld>
             <a:endParaRPr lang="ko-KR" altLang="en-US"/>
           </a:p>
@@ -991,7 +991,7 @@
           <a:p>
             <a:fld id="{D5BB7A41-6D90-4371-844A-87EC379C3D06}" type="datetimeFigureOut">
               <a:rPr lang="ko-KR" altLang="en-US" smtClean="0"/>
-              <a:t>2024-09-20</a:t>
+              <a:t>2024-09-23</a:t>
             </a:fld>
             <a:endParaRPr lang="ko-KR" altLang="en-US"/>
           </a:p>
@@ -1332,7 +1332,7 @@
             <a:fld id="{1D8BD707-D9CF-40AE-B4C6-C98DA3205C09}" type="datetimeFigureOut">
               <a:rPr lang="en-US" smtClean="0"/>
               <a:pPr defTabSz="914400" latinLnBrk="0"/>
-              <a:t>9/20/2024</a:t>
+              <a:t>9/23/2024</a:t>
             </a:fld>
             <a:endParaRPr lang="en-US"/>
           </a:p>
@@ -1540,7 +1540,7 @@
             <a:fld id="{1D8BD707-D9CF-40AE-B4C6-C98DA3205C09}" type="datetimeFigureOut">
               <a:rPr lang="en-US" smtClean="0"/>
               <a:pPr defTabSz="914400" latinLnBrk="0"/>
-              <a:t>9/20/2024</a:t>
+              <a:t>9/23/2024</a:t>
             </a:fld>
             <a:endParaRPr lang="en-US"/>
           </a:p>
@@ -1798,7 +1798,7 @@
             <a:fld id="{1D8BD707-D9CF-40AE-B4C6-C98DA3205C09}" type="datetimeFigureOut">
               <a:rPr lang="en-US" smtClean="0"/>
               <a:pPr defTabSz="914400" latinLnBrk="0"/>
-              <a:t>9/20/2024</a:t>
+              <a:t>9/23/2024</a:t>
             </a:fld>
             <a:endParaRPr lang="en-US"/>
           </a:p>
@@ -2125,7 +2125,7 @@
             <a:fld id="{1D8BD707-D9CF-40AE-B4C6-C98DA3205C09}" type="datetimeFigureOut">
               <a:rPr lang="en-US" smtClean="0"/>
               <a:pPr defTabSz="914400" latinLnBrk="0"/>
-              <a:t>9/20/2024</a:t>
+              <a:t>9/23/2024</a:t>
             </a:fld>
             <a:endParaRPr lang="en-US"/>
           </a:p>
@@ -2601,7 +2601,7 @@
             <a:fld id="{1D8BD707-D9CF-40AE-B4C6-C98DA3205C09}" type="datetimeFigureOut">
               <a:rPr lang="en-US" smtClean="0"/>
               <a:pPr defTabSz="914400" latinLnBrk="0"/>
-              <a:t>9/20/2024</a:t>
+              <a:t>9/23/2024</a:t>
             </a:fld>
             <a:endParaRPr lang="en-US"/>
           </a:p>
@@ -2758,7 +2758,7 @@
             <a:fld id="{1D8BD707-D9CF-40AE-B4C6-C98DA3205C09}" type="datetimeFigureOut">
               <a:rPr lang="en-US" smtClean="0"/>
               <a:pPr defTabSz="914400" latinLnBrk="0"/>
-              <a:t>9/20/2024</a:t>
+              <a:t>9/23/2024</a:t>
             </a:fld>
             <a:endParaRPr lang="en-US"/>
           </a:p>
@@ -2858,7 +2858,7 @@
             <a:fld id="{1D8BD707-D9CF-40AE-B4C6-C98DA3205C09}" type="datetimeFigureOut">
               <a:rPr lang="en-US" smtClean="0"/>
               <a:pPr defTabSz="914400" latinLnBrk="0"/>
-              <a:t>9/20/2024</a:t>
+              <a:t>9/23/2024</a:t>
             </a:fld>
             <a:endParaRPr lang="en-US"/>
           </a:p>
@@ -3016,7 +3016,7 @@
           <a:p>
             <a:fld id="{D5BB7A41-6D90-4371-844A-87EC379C3D06}" type="datetimeFigureOut">
               <a:rPr lang="ko-KR" altLang="en-US" smtClean="0"/>
-              <a:t>2024-09-20</a:t>
+              <a:t>2024-09-23</a:t>
             </a:fld>
             <a:endParaRPr lang="ko-KR" altLang="en-US"/>
           </a:p>
@@ -3297,7 +3297,7 @@
             <a:fld id="{1D8BD707-D9CF-40AE-B4C6-C98DA3205C09}" type="datetimeFigureOut">
               <a:rPr lang="en-US" smtClean="0"/>
               <a:pPr defTabSz="914400" latinLnBrk="0"/>
-              <a:t>9/20/2024</a:t>
+              <a:t>9/23/2024</a:t>
             </a:fld>
             <a:endParaRPr lang="en-US"/>
           </a:p>
@@ -3612,7 +3612,7 @@
             <a:fld id="{1D8BD707-D9CF-40AE-B4C6-C98DA3205C09}" type="datetimeFigureOut">
               <a:rPr lang="en-US" smtClean="0"/>
               <a:pPr defTabSz="914400" latinLnBrk="0"/>
-              <a:t>9/20/2024</a:t>
+              <a:t>9/23/2024</a:t>
             </a:fld>
             <a:endParaRPr lang="en-US"/>
           </a:p>
@@ -3785,7 +3785,7 @@
             <a:fld id="{1D8BD707-D9CF-40AE-B4C6-C98DA3205C09}" type="datetimeFigureOut">
               <a:rPr lang="en-US" smtClean="0"/>
               <a:pPr defTabSz="914400" latinLnBrk="0"/>
-              <a:t>9/20/2024</a:t>
+              <a:t>9/23/2024</a:t>
             </a:fld>
             <a:endParaRPr lang="en-US"/>
           </a:p>
@@ -3970,7 +3970,7 @@
             <a:fld id="{1D8BD707-D9CF-40AE-B4C6-C98DA3205C09}" type="datetimeFigureOut">
               <a:rPr lang="en-US" smtClean="0"/>
               <a:pPr defTabSz="914400" latinLnBrk="0"/>
-              <a:t>9/20/2024</a:t>
+              <a:t>9/23/2024</a:t>
             </a:fld>
             <a:endParaRPr lang="en-US"/>
           </a:p>
@@ -4224,7 +4224,7 @@
             <a:fld id="{1D8BD707-D9CF-40AE-B4C6-C98DA3205C09}" type="datetimeFigureOut">
               <a:rPr lang="en-US" smtClean="0"/>
               <a:pPr defTabSz="914400" latinLnBrk="0"/>
-              <a:t>9/20/2024</a:t>
+              <a:t>9/23/2024</a:t>
             </a:fld>
             <a:endParaRPr lang="en-US"/>
           </a:p>
@@ -4432,7 +4432,7 @@
             <a:fld id="{1D8BD707-D9CF-40AE-B4C6-C98DA3205C09}" type="datetimeFigureOut">
               <a:rPr lang="en-US" smtClean="0"/>
               <a:pPr defTabSz="914400" latinLnBrk="0"/>
-              <a:t>9/20/2024</a:t>
+              <a:t>9/23/2024</a:t>
             </a:fld>
             <a:endParaRPr lang="en-US"/>
           </a:p>
@@ -4690,7 +4690,7 @@
             <a:fld id="{1D8BD707-D9CF-40AE-B4C6-C98DA3205C09}" type="datetimeFigureOut">
               <a:rPr lang="en-US" smtClean="0"/>
               <a:pPr defTabSz="914400" latinLnBrk="0"/>
-              <a:t>9/20/2024</a:t>
+              <a:t>9/23/2024</a:t>
             </a:fld>
             <a:endParaRPr lang="en-US"/>
           </a:p>
@@ -5017,7 +5017,7 @@
             <a:fld id="{1D8BD707-D9CF-40AE-B4C6-C98DA3205C09}" type="datetimeFigureOut">
               <a:rPr lang="en-US" smtClean="0"/>
               <a:pPr defTabSz="914400" latinLnBrk="0"/>
-              <a:t>9/20/2024</a:t>
+              <a:t>9/23/2024</a:t>
             </a:fld>
             <a:endParaRPr lang="en-US"/>
           </a:p>
@@ -5493,7 +5493,7 @@
             <a:fld id="{1D8BD707-D9CF-40AE-B4C6-C98DA3205C09}" type="datetimeFigureOut">
               <a:rPr lang="en-US" smtClean="0"/>
               <a:pPr defTabSz="914400" latinLnBrk="0"/>
-              <a:t>9/20/2024</a:t>
+              <a:t>9/23/2024</a:t>
             </a:fld>
             <a:endParaRPr lang="en-US"/>
           </a:p>
@@ -5650,7 +5650,7 @@
             <a:fld id="{1D8BD707-D9CF-40AE-B4C6-C98DA3205C09}" type="datetimeFigureOut">
               <a:rPr lang="en-US" smtClean="0"/>
               <a:pPr defTabSz="914400" latinLnBrk="0"/>
-              <a:t>9/20/2024</a:t>
+              <a:t>9/23/2024</a:t>
             </a:fld>
             <a:endParaRPr lang="en-US"/>
           </a:p>
@@ -5903,7 +5903,7 @@
           <a:p>
             <a:fld id="{D5BB7A41-6D90-4371-844A-87EC379C3D06}" type="datetimeFigureOut">
               <a:rPr lang="ko-KR" altLang="en-US" smtClean="0"/>
-              <a:t>2024-09-20</a:t>
+              <a:t>2024-09-23</a:t>
             </a:fld>
             <a:endParaRPr lang="ko-KR" altLang="en-US"/>
           </a:p>
@@ -6000,7 +6000,7 @@
             <a:fld id="{1D8BD707-D9CF-40AE-B4C6-C98DA3205C09}" type="datetimeFigureOut">
               <a:rPr lang="en-US" smtClean="0"/>
               <a:pPr defTabSz="914400" latinLnBrk="0"/>
-              <a:t>9/20/2024</a:t>
+              <a:t>9/23/2024</a:t>
             </a:fld>
             <a:endParaRPr lang="en-US"/>
           </a:p>
@@ -6284,7 +6284,7 @@
             <a:fld id="{1D8BD707-D9CF-40AE-B4C6-C98DA3205C09}" type="datetimeFigureOut">
               <a:rPr lang="en-US" smtClean="0"/>
               <a:pPr defTabSz="914400" latinLnBrk="0"/>
-              <a:t>9/20/2024</a:t>
+              <a:t>9/23/2024</a:t>
             </a:fld>
             <a:endParaRPr lang="en-US"/>
           </a:p>
@@ -6599,7 +6599,7 @@
             <a:fld id="{1D8BD707-D9CF-40AE-B4C6-C98DA3205C09}" type="datetimeFigureOut">
               <a:rPr lang="en-US" smtClean="0"/>
               <a:pPr defTabSz="914400" latinLnBrk="0"/>
-              <a:t>9/20/2024</a:t>
+              <a:t>9/23/2024</a:t>
             </a:fld>
             <a:endParaRPr lang="en-US"/>
           </a:p>
@@ -6772,7 +6772,7 @@
             <a:fld id="{1D8BD707-D9CF-40AE-B4C6-C98DA3205C09}" type="datetimeFigureOut">
               <a:rPr lang="en-US" smtClean="0"/>
               <a:pPr defTabSz="914400" latinLnBrk="0"/>
-              <a:t>9/20/2024</a:t>
+              <a:t>9/23/2024</a:t>
             </a:fld>
             <a:endParaRPr lang="en-US"/>
           </a:p>
@@ -6957,7 +6957,7 @@
             <a:fld id="{1D8BD707-D9CF-40AE-B4C6-C98DA3205C09}" type="datetimeFigureOut">
               <a:rPr lang="en-US" smtClean="0"/>
               <a:pPr defTabSz="914400" latinLnBrk="0"/>
-              <a:t>9/20/2024</a:t>
+              <a:t>9/23/2024</a:t>
             </a:fld>
             <a:endParaRPr lang="en-US"/>
           </a:p>
@@ -7206,7 +7206,7 @@
           <a:p>
             <a:fld id="{D5BB7A41-6D90-4371-844A-87EC379C3D06}" type="datetimeFigureOut">
               <a:rPr lang="ko-KR" altLang="en-US" smtClean="0"/>
-              <a:t>2024-09-20</a:t>
+              <a:t>2024-09-23</a:t>
             </a:fld>
             <a:endParaRPr lang="ko-KR" altLang="en-US"/>
           </a:p>
@@ -7588,7 +7588,7 @@
           <a:p>
             <a:fld id="{D5BB7A41-6D90-4371-844A-87EC379C3D06}" type="datetimeFigureOut">
               <a:rPr lang="ko-KR" altLang="en-US" smtClean="0"/>
-              <a:t>2024-09-20</a:t>
+              <a:t>2024-09-23</a:t>
             </a:fld>
             <a:endParaRPr lang="ko-KR" altLang="en-US"/>
           </a:p>
@@ -7714,7 +7714,7 @@
           <a:p>
             <a:fld id="{D5BB7A41-6D90-4371-844A-87EC379C3D06}" type="datetimeFigureOut">
               <a:rPr lang="ko-KR" altLang="en-US" smtClean="0"/>
-              <a:t>2024-09-20</a:t>
+              <a:t>2024-09-23</a:t>
             </a:fld>
             <a:endParaRPr lang="ko-KR" altLang="en-US"/>
           </a:p>
@@ -7809,7 +7809,7 @@
           <a:p>
             <a:fld id="{D5BB7A41-6D90-4371-844A-87EC379C3D06}" type="datetimeFigureOut">
               <a:rPr lang="ko-KR" altLang="en-US" smtClean="0"/>
-              <a:t>2024-09-20</a:t>
+              <a:t>2024-09-23</a:t>
             </a:fld>
             <a:endParaRPr lang="ko-KR" altLang="en-US"/>
           </a:p>
@@ -8095,7 +8095,7 @@
           <a:p>
             <a:fld id="{D5BB7A41-6D90-4371-844A-87EC379C3D06}" type="datetimeFigureOut">
               <a:rPr lang="ko-KR" altLang="en-US" smtClean="0"/>
-              <a:t>2024-09-20</a:t>
+              <a:t>2024-09-23</a:t>
             </a:fld>
             <a:endParaRPr lang="ko-KR" altLang="en-US"/>
           </a:p>
@@ -8243,7 +8243,7 @@
           <a:p>
             <a:fld id="{D5BB7A41-6D90-4371-844A-87EC379C3D06}" type="datetimeFigureOut">
               <a:rPr lang="ko-KR" altLang="en-US" smtClean="0"/>
-              <a:t>2024-09-20</a:t>
+              <a:t>2024-09-23</a:t>
             </a:fld>
             <a:endParaRPr lang="ko-KR" altLang="en-US"/>
           </a:p>
@@ -9071,7 +9071,7 @@
             <a:fld id="{1D8BD707-D9CF-40AE-B4C6-C98DA3205C09}" type="datetimeFigureOut">
               <a:rPr lang="en-US" smtClean="0"/>
               <a:pPr defTabSz="914400" latinLnBrk="0"/>
-              <a:t>9/20/2024</a:t>
+              <a:t>9/23/2024</a:t>
             </a:fld>
             <a:endParaRPr lang="en-US"/>
           </a:p>
@@ -9761,7 +9761,7 @@
             <a:fld id="{1D8BD707-D9CF-40AE-B4C6-C98DA3205C09}" type="datetimeFigureOut">
               <a:rPr lang="en-US" smtClean="0"/>
               <a:pPr defTabSz="914400" latinLnBrk="0"/>
-              <a:t>9/20/2024</a:t>
+              <a:t>9/23/2024</a:t>
             </a:fld>
             <a:endParaRPr lang="en-US"/>
           </a:p>
@@ -10220,22 +10220,13 @@
           <a:p>
             <a:pPr algn="ctr"/>
             <a:r>
-              <a:rPr lang="en-US" altLang="ko-KR" sz="3600" b="1" dirty="0" smtClean="0">
-                <a:solidFill>
-                  <a:schemeClr val="bg1"/>
-                </a:solidFill>
-                <a:latin typeface="+mn-ea"/>
-              </a:rPr>
-              <a:t>Wave Function Matching </a:t>
-            </a:r>
-            <a:r>
               <a:rPr lang="en-US" altLang="ko-KR" sz="3600" b="1" dirty="0">
                 <a:solidFill>
                   <a:schemeClr val="bg1"/>
                 </a:solidFill>
                 <a:latin typeface="+mn-ea"/>
               </a:rPr>
-              <a:t>for solving Quantum Many Body problem</a:t>
+              <a:t>Wave Function Matching for solving Quantum Many Body problem</a:t>
             </a:r>
           </a:p>
         </p:txBody>
@@ -10446,19 +10437,15 @@
           <a:p>
             <a:pPr lvl="1"/>
             <a:r>
-              <a:rPr lang="en-US" altLang="ko-KR" sz="1800" dirty="0" smtClean="0"/>
+              <a:rPr lang="en-US" altLang="ko-KR" sz="1800" dirty="0"/>
               <a:t>2024.09.23.-27. </a:t>
             </a:r>
           </a:p>
           <a:p>
             <a:pPr lvl="1"/>
             <a:r>
-              <a:rPr lang="en-US" dirty="0" smtClean="0"/>
-              <a:t>3rd </a:t>
-            </a:r>
-            <a:r>
               <a:rPr lang="en-US" dirty="0"/>
-              <a:t>APCTP-</a:t>
+              <a:t>3rd APCTP-</a:t>
             </a:r>
             <a:r>
               <a:rPr lang="en-US" dirty="0" err="1"/>
@@ -10466,22 +10453,18 @@
             </a:r>
             <a:r>
               <a:rPr lang="en-US" dirty="0"/>
-              <a:t> </a:t>
-            </a:r>
-            <a:r>
-              <a:rPr lang="en-US" dirty="0" smtClean="0"/>
-              <a:t>joint workshop </a:t>
-            </a:r>
-            <a:r>
-              <a:rPr lang="en-US" altLang="ko-KR" dirty="0" smtClean="0"/>
+              <a:t> joint workshop </a:t>
+            </a:r>
+            <a:r>
+              <a:rPr lang="en-US" altLang="ko-KR" dirty="0"/>
               <a:t>, </a:t>
             </a:r>
             <a:r>
-              <a:rPr lang="en-US" altLang="ko-KR" dirty="0" err="1" smtClean="0"/>
+              <a:rPr lang="en-US" altLang="ko-KR" dirty="0" err="1"/>
               <a:t>Pukyong</a:t>
             </a:r>
             <a:r>
-              <a:rPr lang="en-US" altLang="ko-KR" dirty="0" smtClean="0"/>
+              <a:rPr lang="en-US" altLang="ko-KR" dirty="0"/>
               <a:t> Univ.</a:t>
             </a:r>
             <a:endParaRPr lang="en-US" altLang="ko-KR" sz="1800" dirty="0"/>
@@ -12183,13 +12166,7 @@
               <a:rPr lang="en-US" altLang="ko-KR" dirty="0">
                 <a:sym typeface="Wingdings" panose="05000000000000000000" pitchFamily="2" charset="2"/>
               </a:rPr>
-              <a:t> Wave function </a:t>
-            </a:r>
-            <a:r>
-              <a:rPr lang="en-US" altLang="ko-KR" dirty="0" smtClean="0">
-                <a:sym typeface="Wingdings" panose="05000000000000000000" pitchFamily="2" charset="2"/>
-              </a:rPr>
-              <a:t>matching</a:t>
+              <a:t> Wave function matching</a:t>
             </a:r>
             <a:endParaRPr lang="en-US" altLang="ko-KR" dirty="0"/>
           </a:p>
@@ -12236,13 +12213,6 @@
   <p:clrMapOvr>
     <a:masterClrMapping/>
   </p:clrMapOvr>
-  <p:timing>
-    <p:tnLst>
-      <p:par>
-        <p:cTn id="1" dur="indefinite" restart="never" nodeType="tmRoot"/>
-      </p:par>
-    </p:tnLst>
-  </p:timing>
 </p:sld>
 </file>
 
@@ -12579,15 +12549,7 @@
           <a:p>
             <a:r>
               <a:rPr lang="en-US" dirty="0"/>
-              <a:t>From </a:t>
-            </a:r>
-            <a:r>
-              <a:rPr lang="en-US" dirty="0" smtClean="0"/>
-              <a:t>Dean </a:t>
-            </a:r>
-            <a:r>
-              <a:rPr lang="en-US" dirty="0"/>
-              <a:t>Lee</a:t>
+              <a:t>From Dean Lee</a:t>
             </a:r>
           </a:p>
         </p:txBody>
@@ -12626,13 +12588,6 @@
   <p:clrMapOvr>
     <a:masterClrMapping/>
   </p:clrMapOvr>
-  <p:timing>
-    <p:tnLst>
-      <p:par>
-        <p:cTn id="1" dur="indefinite" restart="never" nodeType="tmRoot"/>
-      </p:par>
-    </p:tnLst>
-  </p:timing>
 </p:sld>
 </file>
 
@@ -12724,7 +12679,7 @@
           <a:lstStyle/>
           <a:p>
             <a:r>
-              <a:rPr lang="en-US" dirty="0" smtClean="0">
+              <a:rPr lang="en-US" dirty="0">
                 <a:solidFill>
                   <a:srgbClr val="FF0000"/>
                 </a:solidFill>
@@ -12734,18 +12689,13 @@
           </a:p>
           <a:p>
             <a:r>
-              <a:rPr lang="en-US" dirty="0" smtClean="0">
+              <a:rPr lang="en-US" dirty="0">
                 <a:solidFill>
                   <a:srgbClr val="FF0000"/>
                 </a:solidFill>
               </a:rPr>
               <a:t>collaboration</a:t>
             </a:r>
-            <a:endParaRPr lang="en-US" dirty="0">
-              <a:solidFill>
-                <a:srgbClr val="FF0000"/>
-              </a:solidFill>
-            </a:endParaRPr>
           </a:p>
         </p:txBody>
       </p:sp>
@@ -12772,10 +12722,9 @@
           <a:lstStyle/>
           <a:p>
             <a:r>
-              <a:rPr lang="en-US" dirty="0" smtClean="0"/>
-              <a:t>Work in progress for Carbon isotopes</a:t>
-            </a:r>
-            <a:endParaRPr lang="en-US" dirty="0"/>
+              <a:rPr lang="en-US" dirty="0"/>
+              <a:t>* Work in progress for Carbon isotopes</a:t>
+            </a:r>
           </a:p>
         </p:txBody>
       </p:sp>
@@ -12855,15 +12804,7 @@
           <a:p>
             <a:r>
               <a:rPr lang="en-US" dirty="0"/>
-              <a:t>From </a:t>
-            </a:r>
-            <a:r>
-              <a:rPr lang="en-US" dirty="0" smtClean="0"/>
-              <a:t>Dean </a:t>
-            </a:r>
-            <a:r>
-              <a:rPr lang="en-US" dirty="0"/>
-              <a:t>Lee</a:t>
+              <a:t>From Dean Lee</a:t>
             </a:r>
           </a:p>
         </p:txBody>
@@ -12916,13 +12857,8 @@
           <a:p>
             <a:r>
               <a:rPr lang="en-US" dirty="0"/>
-              <a:t>Phase shifts from two </a:t>
-            </a:r>
-            <a:r>
-              <a:rPr lang="en-US" dirty="0" smtClean="0"/>
-              <a:t>interactions are different</a:t>
-            </a:r>
-            <a:endParaRPr lang="en-US" dirty="0"/>
+              <a:t>Phase shifts from two interactions are different</a:t>
+            </a:r>
           </a:p>
         </p:txBody>
       </p:sp>
@@ -12936,13 +12872,6 @@
   <p:clrMapOvr>
     <a:masterClrMapping/>
   </p:clrMapOvr>
-  <p:timing>
-    <p:tnLst>
-      <p:par>
-        <p:cTn id="1" dur="indefinite" restart="never" nodeType="tmRoot"/>
-      </p:par>
-    </p:tnLst>
-  </p:timing>
 </p:sld>
 </file>
 
@@ -13009,15 +12938,7 @@
           <a:p>
             <a:r>
               <a:rPr lang="en-US" dirty="0"/>
-              <a:t>From </a:t>
-            </a:r>
-            <a:r>
-              <a:rPr lang="en-US" dirty="0" smtClean="0"/>
-              <a:t>Dean </a:t>
-            </a:r>
-            <a:r>
-              <a:rPr lang="en-US" dirty="0"/>
-              <a:t>Lee</a:t>
+              <a:t>From Dean Lee</a:t>
             </a:r>
           </a:p>
         </p:txBody>
@@ -13156,22 +13077,10 @@
               <a:buChar char="à"/>
             </a:pPr>
             <a:r>
-              <a:rPr lang="en-US" dirty="0" smtClean="0">
-                <a:sym typeface="Wingdings" panose="05000000000000000000" pitchFamily="2" charset="2"/>
-              </a:rPr>
-              <a:t>Same </a:t>
-            </a:r>
-            <a:r>
               <a:rPr lang="en-US" dirty="0">
                 <a:sym typeface="Wingdings" panose="05000000000000000000" pitchFamily="2" charset="2"/>
               </a:rPr>
-              <a:t>phase shifts</a:t>
-            </a:r>
-            <a:r>
-              <a:rPr lang="en-US" dirty="0" smtClean="0">
-                <a:sym typeface="Wingdings" panose="05000000000000000000" pitchFamily="2" charset="2"/>
-              </a:rPr>
-              <a:t>.</a:t>
+              <a:t>Same phase shifts.</a:t>
             </a:r>
           </a:p>
           <a:p>
@@ -13180,16 +13089,10 @@
               <a:buChar char="à"/>
             </a:pPr>
             <a:r>
-              <a:rPr lang="en-US" dirty="0" smtClean="0">
+              <a:rPr lang="en-US" dirty="0">
                 <a:sym typeface="Wingdings" panose="05000000000000000000" pitchFamily="2" charset="2"/>
               </a:rPr>
-              <a:t>H’_A has eigenvectors of H_B, but eigenvalues of H_A</a:t>
-            </a:r>
-            <a:r>
-              <a:rPr lang="en-US" dirty="0" smtClean="0">
-                <a:sym typeface="Wingdings" panose="05000000000000000000" pitchFamily="2" charset="2"/>
-              </a:rPr>
-              <a:t> </a:t>
+              <a:t>H’_A has eigenvectors of H_B, but eigenvalues of H_A </a:t>
             </a:r>
             <a:endParaRPr lang="en-US" dirty="0"/>
           </a:p>
@@ -13205,13 +13108,6 @@
   <p:clrMapOvr>
     <a:masterClrMapping/>
   </p:clrMapOvr>
-  <p:timing>
-    <p:tnLst>
-      <p:par>
-        <p:cTn id="1" dur="indefinite" restart="never" nodeType="tmRoot"/>
-      </p:par>
-    </p:tnLst>
-  </p:timing>
 </p:sld>
 </file>
 
@@ -13283,15 +13179,7 @@
           <a:p>
             <a:r>
               <a:rPr lang="en-US" dirty="0"/>
-              <a:t>From </a:t>
-            </a:r>
-            <a:r>
-              <a:rPr lang="en-US" dirty="0" smtClean="0"/>
-              <a:t>Dean </a:t>
-            </a:r>
-            <a:r>
-              <a:rPr lang="en-US" dirty="0"/>
-              <a:t>Lee</a:t>
+              <a:t>From Dean Lee</a:t>
             </a:r>
           </a:p>
         </p:txBody>
@@ -13353,22 +13241,10 @@
               <a:buChar char="à"/>
             </a:pPr>
             <a:r>
-              <a:rPr lang="en-US" dirty="0" smtClean="0">
-                <a:sym typeface="Wingdings" panose="05000000000000000000" pitchFamily="2" charset="2"/>
-              </a:rPr>
-              <a:t>Same </a:t>
-            </a:r>
-            <a:r>
               <a:rPr lang="en-US" dirty="0">
                 <a:sym typeface="Wingdings" panose="05000000000000000000" pitchFamily="2" charset="2"/>
               </a:rPr>
-              <a:t>phase shifts</a:t>
-            </a:r>
-            <a:r>
-              <a:rPr lang="en-US" dirty="0" smtClean="0">
-                <a:sym typeface="Wingdings" panose="05000000000000000000" pitchFamily="2" charset="2"/>
-              </a:rPr>
-              <a:t>.</a:t>
+              <a:t>Same phase shifts.</a:t>
             </a:r>
           </a:p>
           <a:p>
@@ -13377,16 +13253,10 @@
               <a:buChar char="à"/>
             </a:pPr>
             <a:r>
-              <a:rPr lang="en-US" dirty="0" smtClean="0">
+              <a:rPr lang="en-US" dirty="0">
                 <a:sym typeface="Wingdings" panose="05000000000000000000" pitchFamily="2" charset="2"/>
               </a:rPr>
-              <a:t>H’_A has eigenvectors of H_B, but eigenvalues of H_A</a:t>
-            </a:r>
-            <a:r>
-              <a:rPr lang="en-US" dirty="0" smtClean="0">
-                <a:sym typeface="Wingdings" panose="05000000000000000000" pitchFamily="2" charset="2"/>
-              </a:rPr>
-              <a:t> </a:t>
+              <a:t>H’_A has eigenvectors of H_B, but eigenvalues of H_A </a:t>
             </a:r>
             <a:endParaRPr lang="en-US" dirty="0"/>
           </a:p>
@@ -13402,13 +13272,6 @@
   <p:clrMapOvr>
     <a:masterClrMapping/>
   </p:clrMapOvr>
-  <p:timing>
-    <p:tnLst>
-      <p:par>
-        <p:cTn id="1" dur="indefinite" restart="never" nodeType="tmRoot"/>
-      </p:par>
-    </p:tnLst>
-  </p:timing>
 </p:sld>
 </file>
 
@@ -13475,15 +13338,7 @@
           <a:p>
             <a:r>
               <a:rPr lang="en-US" dirty="0"/>
-              <a:t>From </a:t>
-            </a:r>
-            <a:r>
-              <a:rPr lang="en-US" dirty="0" smtClean="0"/>
-              <a:t>Dean </a:t>
-            </a:r>
-            <a:r>
-              <a:rPr lang="en-US" dirty="0"/>
-              <a:t>Lee</a:t>
+              <a:t>From Dean Lee</a:t>
             </a:r>
           </a:p>
         </p:txBody>
@@ -13557,13 +13412,6 @@
   <p:clrMapOvr>
     <a:masterClrMapping/>
   </p:clrMapOvr>
-  <p:timing>
-    <p:tnLst>
-      <p:par>
-        <p:cTn id="1" dur="indefinite" restart="never" nodeType="tmRoot"/>
-      </p:par>
-    </p:tnLst>
-  </p:timing>
 </p:sld>
 </file>
 
@@ -13815,13 +13663,6 @@
   <p:clrMapOvr>
     <a:masterClrMapping/>
   </p:clrMapOvr>
-  <p:timing>
-    <p:tnLst>
-      <p:par>
-        <p:cTn id="1" dur="indefinite" restart="never" nodeType="tmRoot"/>
-      </p:par>
-    </p:tnLst>
-  </p:timing>
 </p:sld>
 </file>
 
@@ -14017,13 +13858,6 @@
   <p:clrMapOvr>
     <a:masterClrMapping/>
   </p:clrMapOvr>
-  <p:timing>
-    <p:tnLst>
-      <p:par>
-        <p:cTn id="1" dur="indefinite" restart="never" nodeType="tmRoot"/>
-      </p:par>
-    </p:tnLst>
-  </p:timing>
 </p:sld>
 </file>
 
@@ -14225,13 +14059,6 @@
   <p:clrMapOvr>
     <a:masterClrMapping/>
   </p:clrMapOvr>
-  <p:timing>
-    <p:tnLst>
-      <p:par>
-        <p:cTn id="1" dur="indefinite" restart="never" nodeType="tmRoot"/>
-      </p:par>
-    </p:tnLst>
-  </p:timing>
 </p:sld>
 </file>
 
@@ -14269,11 +14096,7 @@
           <a:p>
             <a:r>
               <a:rPr lang="en-US" altLang="ko-KR" dirty="0"/>
-              <a:t>NN phase shifts from </a:t>
-            </a:r>
-            <a:r>
-              <a:rPr lang="en-US" altLang="ko-KR" dirty="0" smtClean="0"/>
-              <a:t>N3LO interaction</a:t>
+              <a:t>NN phase shifts from N3LO interaction</a:t>
             </a:r>
             <a:endParaRPr lang="ko-KR" altLang="en-US" dirty="0"/>
           </a:p>
@@ -14303,21 +14126,13 @@
           <a:p>
             <a:r>
               <a:rPr lang="en-US" altLang="ko-KR" dirty="0"/>
-              <a:t>Original Chiral </a:t>
-            </a:r>
-            <a:r>
-              <a:rPr lang="en-US" altLang="ko-KR" dirty="0" smtClean="0"/>
-              <a:t>Hamiltonian, H,  </a:t>
-            </a:r>
-          </a:p>
-          <a:p>
-            <a:r>
-              <a:rPr lang="en-US" altLang="ko-KR" dirty="0" smtClean="0"/>
-              <a:t>is </a:t>
-            </a:r>
+              <a:t>Original Chiral Hamiltonian, H,  </a:t>
+            </a:r>
+          </a:p>
+          <a:p>
             <a:r>
               <a:rPr lang="en-US" altLang="ko-KR" dirty="0"/>
-              <a:t>fitted to phase shifts. (up to N3LO)</a:t>
+              <a:t>is fitted to phase shifts. (up to N3LO)</a:t>
             </a:r>
           </a:p>
           <a:p>
@@ -14326,25 +14141,13 @@
           <a:p>
             <a:r>
               <a:rPr lang="en-US" altLang="ko-KR" dirty="0"/>
-              <a:t>H’ is </a:t>
-            </a:r>
-            <a:r>
-              <a:rPr lang="en-US" altLang="ko-KR" dirty="0" smtClean="0"/>
-              <a:t>computed : equivalent </a:t>
-            </a:r>
-          </a:p>
-          <a:p>
-            <a:r>
-              <a:rPr lang="en-US" altLang="ko-KR" dirty="0" smtClean="0"/>
-              <a:t>to </a:t>
-            </a:r>
+              <a:t>H’ is computed : equivalent </a:t>
+            </a:r>
+          </a:p>
+          <a:p>
             <a:r>
               <a:rPr lang="en-US" altLang="ko-KR" dirty="0"/>
-              <a:t>original </a:t>
-            </a:r>
-            <a:r>
-              <a:rPr lang="en-US" altLang="ko-KR" dirty="0" smtClean="0"/>
-              <a:t>Hamiltonian(gives the same phase shifts).</a:t>
+              <a:t>to original Hamiltonian(gives the same phase shifts).</a:t>
             </a:r>
             <a:endParaRPr lang="ko-KR" altLang="en-US" dirty="0"/>
           </a:p>
@@ -14384,13 +14187,6 @@
   <p:clrMapOvr>
     <a:masterClrMapping/>
   </p:clrMapOvr>
-  <p:timing>
-    <p:tnLst>
-      <p:par>
-        <p:cTn id="1" dur="indefinite" restart="never" nodeType="tmRoot"/>
-      </p:par>
-    </p:tnLst>
-  </p:timing>
 </p:sld>
 </file>
 
@@ -14427,20 +14223,12 @@
           <a:lstStyle/>
           <a:p>
             <a:r>
-              <a:rPr lang="en-US" altLang="ko-KR" dirty="0" err="1" smtClean="0"/>
+              <a:rPr lang="en-US" altLang="ko-KR" dirty="0" err="1"/>
               <a:t>Tjon</a:t>
             </a:r>
             <a:r>
-              <a:rPr lang="en-US" altLang="ko-KR" dirty="0" smtClean="0"/>
-              <a:t> line </a:t>
-            </a:r>
-            <a:r>
               <a:rPr lang="en-US" altLang="ko-KR" dirty="0"/>
-              <a:t>from </a:t>
-            </a:r>
-            <a:r>
-              <a:rPr lang="en-US" altLang="ko-KR" dirty="0" smtClean="0"/>
-              <a:t>WFM method</a:t>
+              <a:t> line from WFM method</a:t>
             </a:r>
             <a:endParaRPr lang="ko-KR" altLang="en-US" dirty="0"/>
           </a:p>
@@ -14493,7 +14281,7 @@
           <a:lstStyle/>
           <a:p>
             <a:r>
-              <a:rPr lang="en-US" dirty="0" smtClean="0"/>
+              <a:rPr lang="en-US" dirty="0"/>
               <a:t>Realistic two-body interaction</a:t>
             </a:r>
           </a:p>
@@ -14503,7 +14291,7 @@
               <a:buChar char="à"/>
             </a:pPr>
             <a:r>
-              <a:rPr lang="en-US" dirty="0" smtClean="0">
+              <a:rPr lang="en-US" dirty="0">
                 <a:sym typeface="Wingdings" panose="05000000000000000000" pitchFamily="2" charset="2"/>
               </a:rPr>
               <a:t>Correlation between 3-body and 4-body binding energy</a:t>
@@ -14515,13 +14303,13 @@
               <a:buChar char="à"/>
             </a:pPr>
             <a:r>
-              <a:rPr lang="en-US" dirty="0" err="1" smtClean="0">
+              <a:rPr lang="en-US" dirty="0" err="1">
                 <a:sym typeface="Wingdings" panose="05000000000000000000" pitchFamily="2" charset="2"/>
               </a:rPr>
               <a:t>Tjon</a:t>
             </a:r>
             <a:r>
-              <a:rPr lang="en-US" dirty="0" smtClean="0">
+              <a:rPr lang="en-US" dirty="0">
                 <a:sym typeface="Wingdings" panose="05000000000000000000" pitchFamily="2" charset="2"/>
               </a:rPr>
               <a:t> Line</a:t>
@@ -14538,19 +14326,19 @@
           </a:p>
           <a:p>
             <a:r>
-              <a:rPr lang="en-US" dirty="0" smtClean="0">
+              <a:rPr lang="en-US" dirty="0">
                 <a:sym typeface="Wingdings" panose="05000000000000000000" pitchFamily="2" charset="2"/>
               </a:rPr>
               <a:t>WFM approach gives binding energy lies on the </a:t>
             </a:r>
             <a:r>
-              <a:rPr lang="en-US" dirty="0" err="1" smtClean="0">
+              <a:rPr lang="en-US" dirty="0" err="1">
                 <a:sym typeface="Wingdings" panose="05000000000000000000" pitchFamily="2" charset="2"/>
               </a:rPr>
               <a:t>Tjon</a:t>
             </a:r>
             <a:r>
-              <a:rPr lang="en-US" dirty="0" smtClean="0">
+              <a:rPr lang="en-US" dirty="0">
                 <a:sym typeface="Wingdings" panose="05000000000000000000" pitchFamily="2" charset="2"/>
               </a:rPr>
               <a:t> line.</a:t>
@@ -14563,7 +14351,7 @@
           </a:p>
           <a:p>
             <a:r>
-              <a:rPr lang="en-US" dirty="0" smtClean="0">
+              <a:rPr lang="en-US" dirty="0">
                 <a:sym typeface="Wingdings" panose="05000000000000000000" pitchFamily="2" charset="2"/>
               </a:rPr>
               <a:t> Accurate reproduction of B.E. requires 3-body force. </a:t>
@@ -14582,13 +14370,6 @@
   <p:clrMapOvr>
     <a:masterClrMapping/>
   </p:clrMapOvr>
-  <p:timing>
-    <p:tnLst>
-      <p:par>
-        <p:cTn id="1" dur="indefinite" restart="never" nodeType="tmRoot"/>
-      </p:par>
-    </p:tnLst>
-  </p:timing>
 </p:sld>
 </file>
 
@@ -15017,23 +14798,11 @@
                   <a:srgbClr val="FF0000"/>
                 </a:solidFill>
               </a:rPr>
-              <a:t>wide </a:t>
-            </a:r>
-            <a:r>
-              <a:rPr lang="en-US" altLang="ko-KR" sz="2000" dirty="0" smtClean="0">
-                <a:solidFill>
-                  <a:srgbClr val="FF0000"/>
-                </a:solidFill>
-              </a:rPr>
-              <a:t>range</a:t>
-            </a:r>
-            <a:r>
-              <a:rPr lang="en-US" altLang="ko-KR" sz="2000" dirty="0" smtClean="0"/>
-              <a:t> </a:t>
+              <a:t>wide range</a:t>
             </a:r>
             <a:r>
               <a:rPr lang="en-US" altLang="ko-KR" sz="2000" dirty="0"/>
-              <a:t>of nuclear phenomena (</a:t>
+              <a:t> of nuclear phenomena (</a:t>
             </a:r>
             <a:r>
               <a:rPr lang="en-US" altLang="ko-KR" sz="2000" dirty="0">
@@ -15090,20 +14859,12 @@
                   <a:srgbClr val="0000FF"/>
                 </a:solidFill>
               </a:rPr>
-              <a:t>Nuclear Force ↔ Nuclear </a:t>
-            </a:r>
-            <a:r>
-              <a:rPr lang="en-US" altLang="ko-KR" sz="1600" dirty="0" smtClean="0">
-                <a:solidFill>
-                  <a:srgbClr val="0000FF"/>
-                </a:solidFill>
-              </a:rPr>
-              <a:t>Phenomena</a:t>
-            </a:r>
-          </a:p>
-          <a:p>
-            <a:r>
-              <a:rPr lang="en-US" altLang="ko-KR" sz="2000" dirty="0" smtClean="0">
+              <a:t>Nuclear Force ↔ Nuclear Phenomena</a:t>
+            </a:r>
+          </a:p>
+          <a:p>
+            <a:r>
+              <a:rPr lang="en-US" altLang="ko-KR" sz="2000" dirty="0">
                 <a:solidFill>
                   <a:srgbClr val="FF0000"/>
                 </a:solidFill>
@@ -15111,7 +14872,7 @@
               <a:t>Consistent approach </a:t>
             </a:r>
             <a:r>
-              <a:rPr lang="en-US" altLang="ko-KR" sz="2000" dirty="0" smtClean="0">
+              <a:rPr lang="en-US" altLang="ko-KR" sz="2000" dirty="0">
                 <a:solidFill>
                   <a:srgbClr val="0000FF"/>
                 </a:solidFill>
@@ -15121,7 +14882,7 @@
           </a:p>
           <a:p>
             <a:r>
-              <a:rPr lang="en-US" altLang="ko-KR" sz="1600" dirty="0" smtClean="0">
+              <a:rPr lang="en-US" altLang="ko-KR" sz="1600" dirty="0">
                 <a:solidFill>
                   <a:srgbClr val="0000FF"/>
                 </a:solidFill>
@@ -15575,13 +15336,6 @@
   <p:clrMapOvr>
     <a:masterClrMapping/>
   </p:clrMapOvr>
-  <p:timing>
-    <p:tnLst>
-      <p:par>
-        <p:cTn id="1" dur="indefinite" restart="never" nodeType="tmRoot"/>
-      </p:par>
-    </p:tnLst>
-  </p:timing>
 </p:sld>
 </file>
 
@@ -15859,13 +15613,6 @@
   <p:clrMapOvr>
     <a:masterClrMapping/>
   </p:clrMapOvr>
-  <p:timing>
-    <p:tnLst>
-      <p:par>
-        <p:cTn id="1" dur="indefinite" restart="never" nodeType="tmRoot"/>
-      </p:par>
-    </p:tnLst>
-  </p:timing>
 </p:sld>
 </file>
 
@@ -15903,13 +15650,8 @@
           <a:p>
             <a:r>
               <a:rPr lang="en-US" dirty="0"/>
-              <a:t>Determine 3-body </a:t>
-            </a:r>
-            <a:r>
-              <a:rPr lang="en-US" dirty="0" smtClean="0"/>
-              <a:t>force parameters</a:t>
-            </a:r>
-            <a:endParaRPr lang="en-US" dirty="0"/>
+              <a:t>Determine 3-body force parameters</a:t>
+            </a:r>
           </a:p>
         </p:txBody>
       </p:sp>
@@ -16079,13 +15821,6 @@
   <p:clrMapOvr>
     <a:masterClrMapping/>
   </p:clrMapOvr>
-  <p:timing>
-    <p:tnLst>
-      <p:par>
-        <p:cTn id="1" dur="indefinite" restart="never" nodeType="tmRoot"/>
-      </p:par>
-    </p:tnLst>
-  </p:timing>
 </p:sld>
 </file>
 
@@ -16192,13 +15927,6 @@
   <p:clrMapOvr>
     <a:masterClrMapping/>
   </p:clrMapOvr>
-  <p:timing>
-    <p:tnLst>
-      <p:par>
-        <p:cTn id="1" dur="indefinite" restart="never" nodeType="tmRoot"/>
-      </p:par>
-    </p:tnLst>
-  </p:timing>
 </p:sld>
 </file>
 
@@ -16322,13 +16050,6 @@
   <p:clrMapOvr>
     <a:masterClrMapping/>
   </p:clrMapOvr>
-  <p:timing>
-    <p:tnLst>
-      <p:par>
-        <p:cTn id="1" dur="indefinite" restart="never" nodeType="tmRoot"/>
-      </p:par>
-    </p:tnLst>
-  </p:timing>
 </p:sld>
 </file>
 
@@ -16508,13 +16229,6 @@
   <p:clrMapOvr>
     <a:masterClrMapping/>
   </p:clrMapOvr>
-  <p:timing>
-    <p:tnLst>
-      <p:par>
-        <p:cTn id="1" dur="indefinite" restart="never" nodeType="tmRoot"/>
-      </p:par>
-    </p:tnLst>
-  </p:timing>
 </p:sld>
 </file>
 
@@ -16552,13 +16266,8 @@
           <a:p>
             <a:r>
               <a:rPr lang="en-US" dirty="0"/>
-              <a:t>Carbon </a:t>
-            </a:r>
-            <a:r>
-              <a:rPr lang="en-US" dirty="0" smtClean="0"/>
-              <a:t>isotopes (Lt=200)</a:t>
-            </a:r>
-            <a:endParaRPr lang="en-US" dirty="0"/>
+              <a:t>Carbon isotopes (Lt=200)</a:t>
+            </a:r>
           </a:p>
         </p:txBody>
       </p:sp>
@@ -16596,13 +16305,6 @@
   <p:clrMapOvr>
     <a:masterClrMapping/>
   </p:clrMapOvr>
-  <p:timing>
-    <p:tnLst>
-      <p:par>
-        <p:cTn id="1" dur="indefinite" restart="never" nodeType="tmRoot"/>
-      </p:par>
-    </p:tnLst>
-  </p:timing>
 </p:sld>
 </file>
 
@@ -16721,13 +16423,6 @@
   <p:clrMapOvr>
     <a:masterClrMapping/>
   </p:clrMapOvr>
-  <p:timing>
-    <p:tnLst>
-      <p:par>
-        <p:cTn id="1" dur="indefinite" restart="never" nodeType="tmRoot"/>
-      </p:par>
-    </p:tnLst>
-  </p:timing>
 </p:sld>
 </file>
 
@@ -16809,24 +16504,15 @@
             </a:pPr>
             <a:r>
               <a:rPr lang="en-US" altLang="ko-KR" dirty="0"/>
-              <a:t>New method to improve the N3LO calculation of </a:t>
-            </a:r>
-            <a:r>
-              <a:rPr lang="en-US" altLang="ko-KR" dirty="0" smtClean="0"/>
-              <a:t>NLEFT:</a:t>
+              <a:t>New method to improve the N3LO calculation of NLEFT:</a:t>
             </a:r>
           </a:p>
           <a:p>
             <a:pPr lvl="1"/>
             <a:r>
               <a:rPr lang="en-US" altLang="ko-KR" dirty="0"/>
-              <a:t> </a:t>
-            </a:r>
-            <a:r>
-              <a:rPr lang="en-US" altLang="ko-KR" dirty="0" smtClean="0"/>
-              <a:t>     reduced sign problem </a:t>
-            </a:r>
-            <a:endParaRPr lang="en-US" altLang="ko-KR" dirty="0"/>
+              <a:t>      reduced sign problem </a:t>
+            </a:r>
           </a:p>
           <a:p>
             <a:pPr marL="821819" lvl="1" indent="-342900">
@@ -16933,13 +16619,6 @@
   <p:clrMapOvr>
     <a:masterClrMapping/>
   </p:clrMapOvr>
-  <p:timing>
-    <p:tnLst>
-      <p:par>
-        <p:cTn id="1" dur="indefinite" restart="never" nodeType="tmRoot"/>
-      </p:par>
-    </p:tnLst>
-  </p:timing>
 </p:sld>
 </file>
 
@@ -17020,12 +16699,8 @@
           <a:p>
             <a:pPr lvl="1"/>
             <a:r>
-              <a:rPr lang="en-US" altLang="ko-KR" dirty="0" smtClean="0"/>
-              <a:t>NLEFT : Auxiliary </a:t>
-            </a:r>
-            <a:r>
               <a:rPr lang="en-US" altLang="ko-KR" dirty="0"/>
-              <a:t>field Monte Carlo Method</a:t>
+              <a:t>NLEFT : Auxiliary field Monte Carlo Method</a:t>
             </a:r>
           </a:p>
           <a:p>
@@ -17075,19 +16750,7 @@
               <a:rPr lang="en-US" altLang="ko-KR" dirty="0">
                 <a:sym typeface="Wingdings" panose="05000000000000000000" pitchFamily="2" charset="2"/>
               </a:rPr>
-              <a:t> </a:t>
-            </a:r>
-            <a:r>
-              <a:rPr lang="en-US" altLang="ko-KR" dirty="0" smtClean="0">
-                <a:sym typeface="Wingdings" panose="05000000000000000000" pitchFamily="2" charset="2"/>
-              </a:rPr>
-              <a:t>scattering, binding </a:t>
-            </a:r>
-            <a:r>
-              <a:rPr lang="en-US" altLang="ko-KR" dirty="0">
-                <a:sym typeface="Wingdings" panose="05000000000000000000" pitchFamily="2" charset="2"/>
-              </a:rPr>
-              <a:t>energies, charge radius of wide range of nuclei and nuclear matter, neutron matter </a:t>
+              <a:t> scattering, binding energies, charge radius of wide range of nuclei and nuclear matter, neutron matter </a:t>
             </a:r>
           </a:p>
           <a:p>
@@ -17894,22 +17557,13 @@
               </a:rPr>
               <a:t>(no direct interaction </a:t>
             </a:r>
-            <a:endParaRPr lang="en-US" dirty="0" smtClean="0">
-              <a:sym typeface="Wingdings" panose="05000000000000000000" pitchFamily="2" charset="2"/>
-            </a:endParaRPr>
-          </a:p>
-          <a:p>
-            <a:r>
-              <a:rPr lang="en-US" dirty="0" smtClean="0">
-                <a:sym typeface="Wingdings" panose="05000000000000000000" pitchFamily="2" charset="2"/>
-              </a:rPr>
-              <a:t>between </a:t>
-            </a:r>
+          </a:p>
+          <a:p>
             <a:r>
               <a:rPr lang="en-US" dirty="0">
                 <a:sym typeface="Wingdings" panose="05000000000000000000" pitchFamily="2" charset="2"/>
               </a:rPr>
-              <a:t>nucleons)</a:t>
+              <a:t>between nucleons)</a:t>
             </a:r>
           </a:p>
           <a:p>
